--- a/slides/Python Crash Course - Installing Libraries.pptx
+++ b/slides/Python Crash Course - Installing Libraries.pptx
@@ -1668,7 +1668,7 @@
           <a:p>
             <a:fld id="{6D6E61F9-FC32-9E4E-82BF-2B724171432F}" type="datetimeFigureOut">
               <a:rPr lang="it-IT" smtClean="0"/>
-              <a:t>05/01/2022</a:t>
+              <a:t>08/01/2023</a:t>
             </a:fld>
             <a:endParaRPr lang="it-IT"/>
           </a:p>
@@ -1905,7 +1905,7 @@
           </p:cNvGraphicFramePr>
           <p:nvPr userDrawn="1">
             <p:custDataLst>
-              <p:tags r:id="rId2"/>
+              <p:tags r:id="rId1"/>
             </p:custDataLst>
           </p:nvPr>
         </p:nvGraphicFramePr>
@@ -1917,12 +1917,12 @@
           <a:graphicData uri="http://schemas.openxmlformats.org/presentationml/2006/ole">
             <mc:AlternateContent xmlns:mc="http://schemas.openxmlformats.org/markup-compatibility/2006">
               <mc:Choice xmlns:v="urn:schemas-microsoft-com:vml" Requires="v">
-                <p:oleObj spid="_x0000_s2050" name="think-cell Slide" r:id="rId4" imgW="270" imgH="270" progId="TCLayout.ActiveDocument.1">
+                <p:oleObj name="think-cell Slide" r:id="rId3" imgW="270" imgH="270" progId="TCLayout.ActiveDocument.1">
                   <p:embed/>
                 </p:oleObj>
               </mc:Choice>
               <mc:Fallback>
-                <p:oleObj name="think-cell Slide" r:id="rId4" imgW="270" imgH="270" progId="TCLayout.ActiveDocument.1">
+                <p:oleObj name="think-cell Slide" r:id="rId3" imgW="270" imgH="270" progId="TCLayout.ActiveDocument.1">
                   <p:embed/>
                   <p:pic>
                     <p:nvPicPr>
@@ -1931,7 +1931,7 @@
                       <p:nvPr/>
                     </p:nvPicPr>
                     <p:blipFill>
-                      <a:blip r:embed="rId5"/>
+                      <a:blip r:embed="rId4"/>
                       <a:stretch>
                         <a:fillRect/>
                       </a:stretch>
@@ -1967,7 +1967,7 @@
           <p:nvPr userDrawn="1"/>
         </p:nvPicPr>
         <p:blipFill>
-          <a:blip r:embed="rId6" cstate="screen">
+          <a:blip r:embed="rId5" cstate="screen">
             <a:extLst>
               <a:ext uri="{28A0092B-C50C-407E-A947-70E740481C1C}">
                 <a14:useLocalDpi xmlns:a14="http://schemas.microsoft.com/office/drawing/2010/main" val="0"/>
@@ -3473,7 +3473,7 @@
           </p:cNvGraphicFramePr>
           <p:nvPr userDrawn="1">
             <p:custDataLst>
-              <p:tags r:id="rId4"/>
+              <p:tags r:id="rId3"/>
             </p:custDataLst>
           </p:nvPr>
         </p:nvGraphicFramePr>
@@ -3485,12 +3485,12 @@
           <a:graphicData uri="http://schemas.openxmlformats.org/presentationml/2006/ole">
             <mc:AlternateContent xmlns:mc="http://schemas.openxmlformats.org/markup-compatibility/2006">
               <mc:Choice xmlns:v="urn:schemas-microsoft-com:vml" Requires="v">
-                <p:oleObj spid="_x0000_s1026" name="think-cell Slide" r:id="rId6" imgW="270" imgH="270" progId="TCLayout.ActiveDocument.1">
+                <p:oleObj name="think-cell Slide" r:id="rId5" imgW="270" imgH="270" progId="TCLayout.ActiveDocument.1">
                   <p:embed/>
                 </p:oleObj>
               </mc:Choice>
               <mc:Fallback>
-                <p:oleObj name="think-cell Slide" r:id="rId6" imgW="270" imgH="270" progId="TCLayout.ActiveDocument.1">
+                <p:oleObj name="think-cell Slide" r:id="rId5" imgW="270" imgH="270" progId="TCLayout.ActiveDocument.1">
                   <p:embed/>
                   <p:pic>
                     <p:nvPicPr>
@@ -3499,7 +3499,7 @@
                       <p:nvPr/>
                     </p:nvPicPr>
                     <p:blipFill>
-                      <a:blip r:embed="rId7"/>
+                      <a:blip r:embed="rId6"/>
                       <a:stretch>
                         <a:fillRect/>
                       </a:stretch>
@@ -3532,7 +3532,7 @@
           <p:cNvSpPr/>
           <p:nvPr userDrawn="1">
             <p:custDataLst>
-              <p:tags r:id="rId5"/>
+              <p:tags r:id="rId4"/>
             </p:custDataLst>
           </p:nvPr>
         </p:nvSpPr>
@@ -5570,7 +5570,7 @@
           <a:p>
             <a:pPr marL="457200" indent="-457200">
               <a:buFont typeface="+mj-lt"/>
-              <a:buAutoNum type="arabicPeriod"/>
+              <a:buAutoNum type="alphaLcParenR"/>
             </a:pPr>
             <a:r>
               <a:rPr lang="en-GB" sz="2000" dirty="0">
@@ -5598,7 +5598,7 @@
           <a:p>
             <a:pPr marL="457200" indent="-457200">
               <a:buFont typeface="+mj-lt"/>
-              <a:buAutoNum type="arabicPeriod"/>
+              <a:buAutoNum type="alphaLcParenR"/>
             </a:pPr>
             <a:r>
               <a:rPr lang="en-GB" sz="2000" dirty="0">
@@ -5610,7 +5610,7 @@
           <a:p>
             <a:pPr marL="457200" indent="-457200">
               <a:buFont typeface="+mj-lt"/>
-              <a:buAutoNum type="arabicPeriod"/>
+              <a:buAutoNum type="alphaLcParenR"/>
             </a:pPr>
             <a:r>
               <a:rPr lang="en-GB" sz="2000" dirty="0">
